--- a/Capstone.pptx
+++ b/Capstone.pptx
@@ -14,20 +14,16 @@
     <p:sldId id="259" r:id="rId9"/>
     <p:sldId id="260" r:id="rId10"/>
     <p:sldId id="261" r:id="rId11"/>
-    <p:sldId id="262" r:id="rId12"/>
-    <p:sldId id="263" r:id="rId13"/>
-    <p:sldId id="264" r:id="rId14"/>
-    <p:sldId id="265" r:id="rId15"/>
   </p:sldIdLst>
   <p:sldSz cy="5143500" cx="9144000"/>
   <p:notesSz cx="6858000" cy="9144000"/>
   <p:embeddedFontLst>
     <p:embeddedFont>
       <p:font typeface="Proxima Nova"/>
-      <p:regular r:id="rId16"/>
-      <p:bold r:id="rId17"/>
-      <p:italic r:id="rId18"/>
-      <p:boldItalic r:id="rId19"/>
+      <p:regular r:id="rId12"/>
+      <p:bold r:id="rId13"/>
+      <p:italic r:id="rId14"/>
+      <p:boldItalic r:id="rId15"/>
     </p:embeddedFont>
   </p:embeddedFontLst>
   <p:defaultTextStyle>
@@ -803,105 +799,6 @@
 </p:notes>
 </file>
 
-<file path=ppt/notesSlides/notesSlide10.xml><?xml version="1.0" encoding="utf-8"?>
-<p:notes xmlns:a="http://schemas.openxmlformats.org/drawingml/2006/main" xmlns:r="http://schemas.openxmlformats.org/officeDocument/2006/relationships" xmlns:mc="http://schemas.openxmlformats.org/markup-compatibility/2006" xmlns:mv="urn:schemas-microsoft-com:mac:vml" xmlns:p="http://schemas.openxmlformats.org/presentationml/2006/main" xmlns:c="http://schemas.openxmlformats.org/drawingml/2006/chart" xmlns:dgm="http://schemas.openxmlformats.org/drawingml/2006/diagram" xmlns:o="urn:schemas-microsoft-com:office:office" xmlns:v="urn:schemas-microsoft-com:vml" xmlns:pvml="urn:schemas-microsoft-com:office:powerpoint" xmlns:com="http://schemas.openxmlformats.org/drawingml/2006/compatibility" xmlns:p14="http://schemas.microsoft.com/office/powerpoint/2010/main" xmlns:p15="http://schemas.microsoft.com/office/powerpoint/2012/main" xmlns:ahyp="http://schemas.microsoft.com/office/drawing/2018/hyperlinkcolor" showMasterPhAnim="0" showMasterSp="0">
-  <p:cSld>
-    <p:spTree>
-      <p:nvGrpSpPr>
-        <p:cNvPr id="110" name="Shape 110"/>
-        <p:cNvGrpSpPr/>
-        <p:nvPr/>
-      </p:nvGrpSpPr>
-      <p:grpSpPr>
-        <a:xfrm>
-          <a:off x="0" y="0"/>
-          <a:ext cx="0" cy="0"/>
-          <a:chOff x="0" y="0"/>
-          <a:chExt cx="0" cy="0"/>
-        </a:xfrm>
-      </p:grpSpPr>
-      <p:sp>
-        <p:nvSpPr>
-          <p:cNvPr id="111" name="Google Shape;111;g1255971942d_0_532:notes"/>
-          <p:cNvSpPr/>
-          <p:nvPr>
-            <p:ph idx="2" type="sldImg"/>
-          </p:nvPr>
-        </p:nvSpPr>
-        <p:spPr>
-          <a:xfrm>
-            <a:off x="381300" y="685800"/>
-            <a:ext cx="6096000" cy="3429000"/>
-          </a:xfrm>
-          <a:custGeom>
-            <a:rect b="b" l="l" r="r" t="t"/>
-            <a:pathLst>
-              <a:path extrusionOk="0" h="120000" w="120000">
-                <a:moveTo>
-                  <a:pt x="0" y="0"/>
-                </a:moveTo>
-                <a:lnTo>
-                  <a:pt x="120000" y="0"/>
-                </a:lnTo>
-                <a:lnTo>
-                  <a:pt x="120000" y="120000"/>
-                </a:lnTo>
-                <a:lnTo>
-                  <a:pt x="0" y="120000"/>
-                </a:lnTo>
-                <a:close/>
-              </a:path>
-            </a:pathLst>
-          </a:custGeom>
-        </p:spPr>
-      </p:sp>
-      <p:sp>
-        <p:nvSpPr>
-          <p:cNvPr id="112" name="Google Shape;112;g1255971942d_0_532:notes"/>
-          <p:cNvSpPr txBox="1"/>
-          <p:nvPr>
-            <p:ph idx="1" type="body"/>
-          </p:nvPr>
-        </p:nvSpPr>
-        <p:spPr>
-          <a:xfrm>
-            <a:off x="685800" y="4343400"/>
-            <a:ext cx="5486400" cy="4114800"/>
-          </a:xfrm>
-          <a:prstGeom prst="rect">
-            <a:avLst/>
-          </a:prstGeom>
-        </p:spPr>
-        <p:txBody>
-          <a:bodyPr anchorCtr="0" anchor="t" bIns="91425" lIns="91425" spcFirstLastPara="1" rIns="91425" wrap="square" tIns="91425">
-            <a:noAutofit/>
-          </a:bodyPr>
-          <a:lstStyle/>
-          <a:p>
-            <a:pPr indent="0" lvl="0" marL="0" rtl="0" algn="l">
-              <a:spcBef>
-                <a:spcPts val="0"/>
-              </a:spcBef>
-              <a:spcAft>
-                <a:spcPts val="0"/>
-              </a:spcAft>
-              <a:buNone/>
-            </a:pPr>
-            <a:r>
-              <a:t/>
-            </a:r>
-            <a:endParaRPr/>
-          </a:p>
-        </p:txBody>
-      </p:sp>
-    </p:spTree>
-  </p:cSld>
-  <p:clrMapOvr>
-    <a:masterClrMapping/>
-  </p:clrMapOvr>
-</p:notes>
-</file>
-
 <file path=ppt/notesSlides/notesSlide2.xml><?xml version="1.0" encoding="utf-8"?>
 <p:notes xmlns:a="http://schemas.openxmlformats.org/drawingml/2006/main" xmlns:r="http://schemas.openxmlformats.org/officeDocument/2006/relationships" xmlns:mc="http://schemas.openxmlformats.org/markup-compatibility/2006" xmlns:mv="urn:schemas-microsoft-com:mac:vml" xmlns:p="http://schemas.openxmlformats.org/presentationml/2006/main" xmlns:c="http://schemas.openxmlformats.org/drawingml/2006/chart" xmlns:dgm="http://schemas.openxmlformats.org/drawingml/2006/diagram" xmlns:o="urn:schemas-microsoft-com:office:office" xmlns:v="urn:schemas-microsoft-com:vml" xmlns:pvml="urn:schemas-microsoft-com:office:powerpoint" xmlns:com="http://schemas.openxmlformats.org/drawingml/2006/compatibility" xmlns:p14="http://schemas.microsoft.com/office/powerpoint/2010/main" xmlns:p15="http://schemas.microsoft.com/office/powerpoint/2012/main" xmlns:ahyp="http://schemas.microsoft.com/office/drawing/2018/hyperlinkcolor" showMasterPhAnim="0" showMasterSp="0">
   <p:cSld>
@@ -1006,7 +903,7 @@
   <p:cSld>
     <p:spTree>
       <p:nvGrpSpPr>
-        <p:cNvPr id="68" name="Shape 68"/>
+        <p:cNvPr id="69" name="Shape 69"/>
         <p:cNvGrpSpPr/>
         <p:nvPr/>
       </p:nvGrpSpPr>
@@ -1020,7 +917,7 @@
       </p:grpSpPr>
       <p:sp>
         <p:nvSpPr>
-          <p:cNvPr id="69" name="Google Shape;69;g1255971942d_0_542:notes"/>
+          <p:cNvPr id="70" name="Google Shape;70;g125d157886f_0_0:notes"/>
           <p:cNvSpPr/>
           <p:nvPr>
             <p:ph idx="2" type="sldImg"/>
@@ -1055,7 +952,7 @@
       </p:sp>
       <p:sp>
         <p:nvSpPr>
-          <p:cNvPr id="70" name="Google Shape;70;g1255971942d_0_542:notes"/>
+          <p:cNvPr id="71" name="Google Shape;71;g125d157886f_0_0:notes"/>
           <p:cNvSpPr txBox="1"/>
           <p:nvPr>
             <p:ph idx="1" type="body"/>
@@ -1105,7 +1002,7 @@
   <p:cSld>
     <p:spTree>
       <p:nvGrpSpPr>
-        <p:cNvPr id="74" name="Shape 74"/>
+        <p:cNvPr id="75" name="Shape 75"/>
         <p:cNvGrpSpPr/>
         <p:nvPr/>
       </p:nvGrpSpPr>
@@ -1119,7 +1016,7 @@
       </p:grpSpPr>
       <p:sp>
         <p:nvSpPr>
-          <p:cNvPr id="75" name="Google Shape;75;g1255971942d_0_381:notes"/>
+          <p:cNvPr id="76" name="Google Shape;76;g125e2357f8e_0_0:notes"/>
           <p:cNvSpPr/>
           <p:nvPr>
             <p:ph idx="2" type="sldImg"/>
@@ -1154,7 +1051,7 @@
       </p:sp>
       <p:sp>
         <p:nvSpPr>
-          <p:cNvPr id="76" name="Google Shape;76;g1255971942d_0_381:notes"/>
+          <p:cNvPr id="77" name="Google Shape;77;g125e2357f8e_0_0:notes"/>
           <p:cNvSpPr txBox="1"/>
           <p:nvPr>
             <p:ph idx="1" type="body"/>
@@ -1204,7 +1101,7 @@
   <p:cSld>
     <p:spTree>
       <p:nvGrpSpPr>
-        <p:cNvPr id="80" name="Shape 80"/>
+        <p:cNvPr id="82" name="Shape 82"/>
         <p:cNvGrpSpPr/>
         <p:nvPr/>
       </p:nvGrpSpPr>
@@ -1218,7 +1115,7 @@
       </p:grpSpPr>
       <p:sp>
         <p:nvSpPr>
-          <p:cNvPr id="81" name="Google Shape;81;g1255971942d_0_386:notes"/>
+          <p:cNvPr id="83" name="Google Shape;83;g1255971942d_0_391:notes"/>
           <p:cNvSpPr/>
           <p:nvPr>
             <p:ph idx="2" type="sldImg"/>
@@ -1253,7 +1150,7 @@
       </p:sp>
       <p:sp>
         <p:nvSpPr>
-          <p:cNvPr id="82" name="Google Shape;82;g1255971942d_0_386:notes"/>
+          <p:cNvPr id="84" name="Google Shape;84;g1255971942d_0_391:notes"/>
           <p:cNvSpPr txBox="1"/>
           <p:nvPr>
             <p:ph idx="1" type="body"/>
@@ -1303,7 +1200,7 @@
   <p:cSld>
     <p:spTree>
       <p:nvGrpSpPr>
-        <p:cNvPr id="86" name="Shape 86"/>
+        <p:cNvPr id="88" name="Shape 88"/>
         <p:cNvGrpSpPr/>
         <p:nvPr/>
       </p:nvGrpSpPr>
@@ -1317,7 +1214,7 @@
       </p:grpSpPr>
       <p:sp>
         <p:nvSpPr>
-          <p:cNvPr id="87" name="Google Shape;87;g1255971942d_0_391:notes"/>
+          <p:cNvPr id="89" name="Google Shape;89;g1255971942d_0_532:notes"/>
           <p:cNvSpPr/>
           <p:nvPr>
             <p:ph idx="2" type="sldImg"/>
@@ -1352,304 +1249,7 @@
       </p:sp>
       <p:sp>
         <p:nvSpPr>
-          <p:cNvPr id="88" name="Google Shape;88;g1255971942d_0_391:notes"/>
-          <p:cNvSpPr txBox="1"/>
-          <p:nvPr>
-            <p:ph idx="1" type="body"/>
-          </p:nvPr>
-        </p:nvSpPr>
-        <p:spPr>
-          <a:xfrm>
-            <a:off x="685800" y="4343400"/>
-            <a:ext cx="5486400" cy="4114800"/>
-          </a:xfrm>
-          <a:prstGeom prst="rect">
-            <a:avLst/>
-          </a:prstGeom>
-        </p:spPr>
-        <p:txBody>
-          <a:bodyPr anchorCtr="0" anchor="t" bIns="91425" lIns="91425" spcFirstLastPara="1" rIns="91425" wrap="square" tIns="91425">
-            <a:noAutofit/>
-          </a:bodyPr>
-          <a:lstStyle/>
-          <a:p>
-            <a:pPr indent="0" lvl="0" marL="0" rtl="0" algn="l">
-              <a:spcBef>
-                <a:spcPts val="0"/>
-              </a:spcBef>
-              <a:spcAft>
-                <a:spcPts val="0"/>
-              </a:spcAft>
-              <a:buNone/>
-            </a:pPr>
-            <a:r>
-              <a:t/>
-            </a:r>
-            <a:endParaRPr/>
-          </a:p>
-        </p:txBody>
-      </p:sp>
-    </p:spTree>
-  </p:cSld>
-  <p:clrMapOvr>
-    <a:masterClrMapping/>
-  </p:clrMapOvr>
-</p:notes>
-</file>
-
-<file path=ppt/notesSlides/notesSlide7.xml><?xml version="1.0" encoding="utf-8"?>
-<p:notes xmlns:a="http://schemas.openxmlformats.org/drawingml/2006/main" xmlns:r="http://schemas.openxmlformats.org/officeDocument/2006/relationships" xmlns:mc="http://schemas.openxmlformats.org/markup-compatibility/2006" xmlns:mv="urn:schemas-microsoft-com:mac:vml" xmlns:p="http://schemas.openxmlformats.org/presentationml/2006/main" xmlns:c="http://schemas.openxmlformats.org/drawingml/2006/chart" xmlns:dgm="http://schemas.openxmlformats.org/drawingml/2006/diagram" xmlns:o="urn:schemas-microsoft-com:office:office" xmlns:v="urn:schemas-microsoft-com:vml" xmlns:pvml="urn:schemas-microsoft-com:office:powerpoint" xmlns:com="http://schemas.openxmlformats.org/drawingml/2006/compatibility" xmlns:p14="http://schemas.microsoft.com/office/powerpoint/2010/main" xmlns:p15="http://schemas.microsoft.com/office/powerpoint/2012/main" xmlns:ahyp="http://schemas.microsoft.com/office/drawing/2018/hyperlinkcolor" showMasterPhAnim="0" showMasterSp="0">
-  <p:cSld>
-    <p:spTree>
-      <p:nvGrpSpPr>
-        <p:cNvPr id="92" name="Shape 92"/>
-        <p:cNvGrpSpPr/>
-        <p:nvPr/>
-      </p:nvGrpSpPr>
-      <p:grpSpPr>
-        <a:xfrm>
-          <a:off x="0" y="0"/>
-          <a:ext cx="0" cy="0"/>
-          <a:chOff x="0" y="0"/>
-          <a:chExt cx="0" cy="0"/>
-        </a:xfrm>
-      </p:grpSpPr>
-      <p:sp>
-        <p:nvSpPr>
-          <p:cNvPr id="93" name="Google Shape;93;g1255971942d_0_522:notes"/>
-          <p:cNvSpPr/>
-          <p:nvPr>
-            <p:ph idx="2" type="sldImg"/>
-          </p:nvPr>
-        </p:nvSpPr>
-        <p:spPr>
-          <a:xfrm>
-            <a:off x="381300" y="685800"/>
-            <a:ext cx="6096000" cy="3429000"/>
-          </a:xfrm>
-          <a:custGeom>
-            <a:rect b="b" l="l" r="r" t="t"/>
-            <a:pathLst>
-              <a:path extrusionOk="0" h="120000" w="120000">
-                <a:moveTo>
-                  <a:pt x="0" y="0"/>
-                </a:moveTo>
-                <a:lnTo>
-                  <a:pt x="120000" y="0"/>
-                </a:lnTo>
-                <a:lnTo>
-                  <a:pt x="120000" y="120000"/>
-                </a:lnTo>
-                <a:lnTo>
-                  <a:pt x="0" y="120000"/>
-                </a:lnTo>
-                <a:close/>
-              </a:path>
-            </a:pathLst>
-          </a:custGeom>
-        </p:spPr>
-      </p:sp>
-      <p:sp>
-        <p:nvSpPr>
-          <p:cNvPr id="94" name="Google Shape;94;g1255971942d_0_522:notes"/>
-          <p:cNvSpPr txBox="1"/>
-          <p:nvPr>
-            <p:ph idx="1" type="body"/>
-          </p:nvPr>
-        </p:nvSpPr>
-        <p:spPr>
-          <a:xfrm>
-            <a:off x="685800" y="4343400"/>
-            <a:ext cx="5486400" cy="4114800"/>
-          </a:xfrm>
-          <a:prstGeom prst="rect">
-            <a:avLst/>
-          </a:prstGeom>
-        </p:spPr>
-        <p:txBody>
-          <a:bodyPr anchorCtr="0" anchor="t" bIns="91425" lIns="91425" spcFirstLastPara="1" rIns="91425" wrap="square" tIns="91425">
-            <a:noAutofit/>
-          </a:bodyPr>
-          <a:lstStyle/>
-          <a:p>
-            <a:pPr indent="0" lvl="0" marL="0" rtl="0" algn="l">
-              <a:spcBef>
-                <a:spcPts val="0"/>
-              </a:spcBef>
-              <a:spcAft>
-                <a:spcPts val="0"/>
-              </a:spcAft>
-              <a:buNone/>
-            </a:pPr>
-            <a:r>
-              <a:t/>
-            </a:r>
-            <a:endParaRPr/>
-          </a:p>
-        </p:txBody>
-      </p:sp>
-    </p:spTree>
-  </p:cSld>
-  <p:clrMapOvr>
-    <a:masterClrMapping/>
-  </p:clrMapOvr>
-</p:notes>
-</file>
-
-<file path=ppt/notesSlides/notesSlide8.xml><?xml version="1.0" encoding="utf-8"?>
-<p:notes xmlns:a="http://schemas.openxmlformats.org/drawingml/2006/main" xmlns:r="http://schemas.openxmlformats.org/officeDocument/2006/relationships" xmlns:mc="http://schemas.openxmlformats.org/markup-compatibility/2006" xmlns:mv="urn:schemas-microsoft-com:mac:vml" xmlns:p="http://schemas.openxmlformats.org/presentationml/2006/main" xmlns:c="http://schemas.openxmlformats.org/drawingml/2006/chart" xmlns:dgm="http://schemas.openxmlformats.org/drawingml/2006/diagram" xmlns:o="urn:schemas-microsoft-com:office:office" xmlns:v="urn:schemas-microsoft-com:vml" xmlns:pvml="urn:schemas-microsoft-com:office:powerpoint" xmlns:com="http://schemas.openxmlformats.org/drawingml/2006/compatibility" xmlns:p14="http://schemas.microsoft.com/office/powerpoint/2010/main" xmlns:p15="http://schemas.microsoft.com/office/powerpoint/2012/main" xmlns:ahyp="http://schemas.microsoft.com/office/drawing/2018/hyperlinkcolor" showMasterPhAnim="0" showMasterSp="0">
-  <p:cSld>
-    <p:spTree>
-      <p:nvGrpSpPr>
-        <p:cNvPr id="98" name="Shape 98"/>
-        <p:cNvGrpSpPr/>
-        <p:nvPr/>
-      </p:nvGrpSpPr>
-      <p:grpSpPr>
-        <a:xfrm>
-          <a:off x="0" y="0"/>
-          <a:ext cx="0" cy="0"/>
-          <a:chOff x="0" y="0"/>
-          <a:chExt cx="0" cy="0"/>
-        </a:xfrm>
-      </p:grpSpPr>
-      <p:sp>
-        <p:nvSpPr>
-          <p:cNvPr id="99" name="Google Shape;99;g1255971942d_0_554:notes"/>
-          <p:cNvSpPr/>
-          <p:nvPr>
-            <p:ph idx="2" type="sldImg"/>
-          </p:nvPr>
-        </p:nvSpPr>
-        <p:spPr>
-          <a:xfrm>
-            <a:off x="381300" y="685800"/>
-            <a:ext cx="6096000" cy="3429000"/>
-          </a:xfrm>
-          <a:custGeom>
-            <a:rect b="b" l="l" r="r" t="t"/>
-            <a:pathLst>
-              <a:path extrusionOk="0" h="120000" w="120000">
-                <a:moveTo>
-                  <a:pt x="0" y="0"/>
-                </a:moveTo>
-                <a:lnTo>
-                  <a:pt x="120000" y="0"/>
-                </a:lnTo>
-                <a:lnTo>
-                  <a:pt x="120000" y="120000"/>
-                </a:lnTo>
-                <a:lnTo>
-                  <a:pt x="0" y="120000"/>
-                </a:lnTo>
-                <a:close/>
-              </a:path>
-            </a:pathLst>
-          </a:custGeom>
-        </p:spPr>
-      </p:sp>
-      <p:sp>
-        <p:nvSpPr>
-          <p:cNvPr id="100" name="Google Shape;100;g1255971942d_0_554:notes"/>
-          <p:cNvSpPr txBox="1"/>
-          <p:nvPr>
-            <p:ph idx="1" type="body"/>
-          </p:nvPr>
-        </p:nvSpPr>
-        <p:spPr>
-          <a:xfrm>
-            <a:off x="685800" y="4343400"/>
-            <a:ext cx="5486400" cy="4114800"/>
-          </a:xfrm>
-          <a:prstGeom prst="rect">
-            <a:avLst/>
-          </a:prstGeom>
-        </p:spPr>
-        <p:txBody>
-          <a:bodyPr anchorCtr="0" anchor="t" bIns="91425" lIns="91425" spcFirstLastPara="1" rIns="91425" wrap="square" tIns="91425">
-            <a:noAutofit/>
-          </a:bodyPr>
-          <a:lstStyle/>
-          <a:p>
-            <a:pPr indent="0" lvl="0" marL="0" rtl="0" algn="l">
-              <a:spcBef>
-                <a:spcPts val="0"/>
-              </a:spcBef>
-              <a:spcAft>
-                <a:spcPts val="0"/>
-              </a:spcAft>
-              <a:buNone/>
-            </a:pPr>
-            <a:r>
-              <a:t/>
-            </a:r>
-            <a:endParaRPr/>
-          </a:p>
-        </p:txBody>
-      </p:sp>
-    </p:spTree>
-  </p:cSld>
-  <p:clrMapOvr>
-    <a:masterClrMapping/>
-  </p:clrMapOvr>
-</p:notes>
-</file>
-
-<file path=ppt/notesSlides/notesSlide9.xml><?xml version="1.0" encoding="utf-8"?>
-<p:notes xmlns:a="http://schemas.openxmlformats.org/drawingml/2006/main" xmlns:r="http://schemas.openxmlformats.org/officeDocument/2006/relationships" xmlns:mc="http://schemas.openxmlformats.org/markup-compatibility/2006" xmlns:mv="urn:schemas-microsoft-com:mac:vml" xmlns:p="http://schemas.openxmlformats.org/presentationml/2006/main" xmlns:c="http://schemas.openxmlformats.org/drawingml/2006/chart" xmlns:dgm="http://schemas.openxmlformats.org/drawingml/2006/diagram" xmlns:o="urn:schemas-microsoft-com:office:office" xmlns:v="urn:schemas-microsoft-com:vml" xmlns:pvml="urn:schemas-microsoft-com:office:powerpoint" xmlns:com="http://schemas.openxmlformats.org/drawingml/2006/compatibility" xmlns:p14="http://schemas.microsoft.com/office/powerpoint/2010/main" xmlns:p15="http://schemas.microsoft.com/office/powerpoint/2012/main" xmlns:ahyp="http://schemas.microsoft.com/office/drawing/2018/hyperlinkcolor" showMasterPhAnim="0" showMasterSp="0">
-  <p:cSld>
-    <p:spTree>
-      <p:nvGrpSpPr>
-        <p:cNvPr id="104" name="Shape 104"/>
-        <p:cNvGrpSpPr/>
-        <p:nvPr/>
-      </p:nvGrpSpPr>
-      <p:grpSpPr>
-        <a:xfrm>
-          <a:off x="0" y="0"/>
-          <a:ext cx="0" cy="0"/>
-          <a:chOff x="0" y="0"/>
-          <a:chExt cx="0" cy="0"/>
-        </a:xfrm>
-      </p:grpSpPr>
-      <p:sp>
-        <p:nvSpPr>
-          <p:cNvPr id="105" name="Google Shape;105;g1255971942d_0_527:notes"/>
-          <p:cNvSpPr/>
-          <p:nvPr>
-            <p:ph idx="2" type="sldImg"/>
-          </p:nvPr>
-        </p:nvSpPr>
-        <p:spPr>
-          <a:xfrm>
-            <a:off x="381300" y="685800"/>
-            <a:ext cx="6096000" cy="3429000"/>
-          </a:xfrm>
-          <a:custGeom>
-            <a:rect b="b" l="l" r="r" t="t"/>
-            <a:pathLst>
-              <a:path extrusionOk="0" h="120000" w="120000">
-                <a:moveTo>
-                  <a:pt x="0" y="0"/>
-                </a:moveTo>
-                <a:lnTo>
-                  <a:pt x="120000" y="0"/>
-                </a:lnTo>
-                <a:lnTo>
-                  <a:pt x="120000" y="120000"/>
-                </a:lnTo>
-                <a:lnTo>
-                  <a:pt x="0" y="120000"/>
-                </a:lnTo>
-                <a:close/>
-              </a:path>
-            </a:pathLst>
-          </a:custGeom>
-        </p:spPr>
-      </p:sp>
-      <p:sp>
-        <p:nvSpPr>
-          <p:cNvPr id="106" name="Google Shape;106;g1255971942d_0_527:notes"/>
+          <p:cNvPr id="90" name="Google Shape;90;g1255971942d_0_532:notes"/>
           <p:cNvSpPr txBox="1"/>
           <p:nvPr>
             <p:ph idx="1" type="body"/>
@@ -7159,86 +6759,6 @@
 </p:sld>
 </file>
 
-<file path=ppt/slides/slide10.xml><?xml version="1.0" encoding="utf-8"?>
-<p:sld xmlns:a="http://schemas.openxmlformats.org/drawingml/2006/main" xmlns:r="http://schemas.openxmlformats.org/officeDocument/2006/relationships" xmlns:mc="http://schemas.openxmlformats.org/markup-compatibility/2006" xmlns:mv="urn:schemas-microsoft-com:mac:vml" xmlns:p="http://schemas.openxmlformats.org/presentationml/2006/main" xmlns:c="http://schemas.openxmlformats.org/drawingml/2006/chart" xmlns:dgm="http://schemas.openxmlformats.org/drawingml/2006/diagram" xmlns:o="urn:schemas-microsoft-com:office:office" xmlns:v="urn:schemas-microsoft-com:vml" xmlns:pvml="urn:schemas-microsoft-com:office:powerpoint" xmlns:com="http://schemas.openxmlformats.org/drawingml/2006/compatibility" xmlns:p14="http://schemas.microsoft.com/office/powerpoint/2010/main" xmlns:p15="http://schemas.microsoft.com/office/powerpoint/2012/main" xmlns:ahyp="http://schemas.microsoft.com/office/drawing/2018/hyperlinkcolor">
-  <p:cSld>
-    <p:bg>
-      <p:bgPr>
-        <a:solidFill>
-          <a:schemeClr val="dk1"/>
-        </a:solidFill>
-      </p:bgPr>
-    </p:bg>
-    <p:spTree>
-      <p:nvGrpSpPr>
-        <p:cNvPr id="113" name="Shape 113"/>
-        <p:cNvGrpSpPr/>
-        <p:nvPr/>
-      </p:nvGrpSpPr>
-      <p:grpSpPr>
-        <a:xfrm>
-          <a:off x="0" y="0"/>
-          <a:ext cx="0" cy="0"/>
-          <a:chOff x="0" y="0"/>
-          <a:chExt cx="0" cy="0"/>
-        </a:xfrm>
-      </p:grpSpPr>
-      <p:sp>
-        <p:nvSpPr>
-          <p:cNvPr id="114" name="Google Shape;114;p22"/>
-          <p:cNvSpPr txBox="1"/>
-          <p:nvPr>
-            <p:ph idx="1" type="body"/>
-          </p:nvPr>
-        </p:nvSpPr>
-        <p:spPr>
-          <a:xfrm>
-            <a:off x="1735450" y="2452125"/>
-            <a:ext cx="5998800" cy="598800"/>
-          </a:xfrm>
-          <a:prstGeom prst="rect">
-            <a:avLst/>
-          </a:prstGeom>
-        </p:spPr>
-        <p:txBody>
-          <a:bodyPr anchorCtr="0" anchor="ctr" bIns="91425" lIns="91425" spcFirstLastPara="1" rIns="91425" wrap="square" tIns="91425">
-            <a:normAutofit/>
-          </a:bodyPr>
-          <a:lstStyle/>
-          <a:p>
-            <a:pPr indent="0" lvl="0" marL="0" rtl="0" algn="ctr">
-              <a:spcBef>
-                <a:spcPts val="0"/>
-              </a:spcBef>
-              <a:spcAft>
-                <a:spcPts val="0"/>
-              </a:spcAft>
-              <a:buNone/>
-            </a:pPr>
-            <a:r>
-              <a:rPr lang="en">
-                <a:solidFill>
-                  <a:schemeClr val="lt1"/>
-                </a:solidFill>
-              </a:rPr>
-              <a:t>Thank you!</a:t>
-            </a:r>
-            <a:endParaRPr>
-              <a:solidFill>
-                <a:schemeClr val="lt1"/>
-              </a:solidFill>
-            </a:endParaRPr>
-          </a:p>
-        </p:txBody>
-      </p:sp>
-    </p:spTree>
-  </p:cSld>
-  <p:clrMapOvr>
-    <a:masterClrMapping/>
-  </p:clrMapOvr>
-</p:sld>
-</file>
-
 <file path=ppt/slides/slide2.xml><?xml version="1.0" encoding="utf-8"?>
 <p:sld xmlns:a="http://schemas.openxmlformats.org/drawingml/2006/main" xmlns:r="http://schemas.openxmlformats.org/officeDocument/2006/relationships" xmlns:mc="http://schemas.openxmlformats.org/markup-compatibility/2006" xmlns:mv="urn:schemas-microsoft-com:mac:vml" xmlns:p="http://schemas.openxmlformats.org/presentationml/2006/main" xmlns:c="http://schemas.openxmlformats.org/drawingml/2006/chart" xmlns:dgm="http://schemas.openxmlformats.org/drawingml/2006/diagram" xmlns:o="urn:schemas-microsoft-com:office:office" xmlns:v="urn:schemas-microsoft-com:vml" xmlns:pvml="urn:schemas-microsoft-com:office:powerpoint" xmlns:com="http://schemas.openxmlformats.org/drawingml/2006/compatibility" xmlns:p14="http://schemas.microsoft.com/office/powerpoint/2010/main" xmlns:p15="http://schemas.microsoft.com/office/powerpoint/2012/main" xmlns:ahyp="http://schemas.microsoft.com/office/drawing/2018/hyperlinkcolor">
   <p:cSld>
@@ -7322,7 +6842,7 @@
         <p:spPr>
           <a:xfrm>
             <a:off x="311700" y="1152475"/>
-            <a:ext cx="8520600" cy="3416400"/>
+            <a:ext cx="5283900" cy="3416400"/>
           </a:xfrm>
           <a:prstGeom prst="rect">
             <a:avLst/>
@@ -7353,7 +6873,7 @@
                   <a:schemeClr val="lt1"/>
                 </a:solidFill>
               </a:rPr>
-              <a:t>a returning software engineer</a:t>
+              <a:t>a returning software engineer from India, living in Minnesota since late 2004</a:t>
             </a:r>
             <a:endParaRPr>
               <a:solidFill>
@@ -7409,7 +6929,7 @@
                   <a:schemeClr val="lt1"/>
                 </a:solidFill>
               </a:rPr>
-              <a:t>enjoy gardening</a:t>
+              <a:t>enjoy gardening and yoga</a:t>
             </a:r>
             <a:endParaRPr>
               <a:solidFill>
@@ -7437,7 +6957,7 @@
                   <a:schemeClr val="lt1"/>
                 </a:solidFill>
               </a:rPr>
-              <a:t>enjoy reading to little children!</a:t>
+              <a:t>enjoy reading to children!</a:t>
             </a:r>
             <a:endParaRPr>
               <a:solidFill>
@@ -7447,6 +6967,34 @@
           </a:p>
         </p:txBody>
       </p:sp>
+      <p:pic>
+        <p:nvPicPr>
+          <p:cNvPr id="68" name="Google Shape;68;p14"/>
+          <p:cNvPicPr preferRelativeResize="0"/>
+          <p:nvPr/>
+        </p:nvPicPr>
+        <p:blipFill>
+          <a:blip r:embed="rId3">
+            <a:alphaModFix/>
+          </a:blip>
+          <a:stretch>
+            <a:fillRect/>
+          </a:stretch>
+        </p:blipFill>
+        <p:spPr>
+          <a:xfrm>
+            <a:off x="5867129" y="1152463"/>
+            <a:ext cx="2154073" cy="3005123"/>
+          </a:xfrm>
+          <a:prstGeom prst="rect">
+            <a:avLst/>
+          </a:prstGeom>
+          <a:noFill/>
+          <a:ln>
+            <a:noFill/>
+          </a:ln>
+        </p:spPr>
+      </p:pic>
     </p:spTree>
   </p:cSld>
   <p:clrMapOvr>
@@ -7467,7 +7015,7 @@
     </p:bg>
     <p:spTree>
       <p:nvGrpSpPr>
-        <p:cNvPr id="71" name="Shape 71"/>
+        <p:cNvPr id="72" name="Shape 72"/>
         <p:cNvGrpSpPr/>
         <p:nvPr/>
       </p:nvGrpSpPr>
@@ -7481,7 +7029,7 @@
       </p:grpSpPr>
       <p:sp>
         <p:nvSpPr>
-          <p:cNvPr id="72" name="Google Shape;72;p15"/>
+          <p:cNvPr id="73" name="Google Shape;73;p15"/>
           <p:cNvSpPr txBox="1"/>
           <p:nvPr>
             <p:ph type="title"/>
@@ -7517,7 +7065,7 @@
                   <a:schemeClr val="lt1"/>
                 </a:solidFill>
               </a:rPr>
-              <a:t>Use case</a:t>
+              <a:t>LMSLocalLibrary</a:t>
             </a:r>
             <a:endParaRPr>
               <a:solidFill>
@@ -7529,7 +7077,7 @@
       </p:sp>
       <p:sp>
         <p:nvSpPr>
-          <p:cNvPr id="73" name="Google Shape;73;p15"/>
+          <p:cNvPr id="74" name="Google Shape;74;p15"/>
           <p:cNvSpPr txBox="1"/>
           <p:nvPr>
             <p:ph idx="1" type="body"/>
@@ -7546,7 +7094,7 @@
         </p:spPr>
         <p:txBody>
           <a:bodyPr anchorCtr="0" anchor="t" bIns="91425" lIns="91425" spcFirstLastPara="1" rIns="91425" wrap="square" tIns="91425">
-            <a:normAutofit/>
+            <a:normAutofit lnSpcReduction="10000"/>
           </a:bodyPr>
           <a:lstStyle/>
           <a:p>
@@ -7589,7 +7137,7 @@
                   <a:schemeClr val="lt1"/>
                 </a:solidFill>
               </a:rPr>
-              <a:t>Library staff are able to:</a:t>
+              <a:t>I use my local library’s website and app very frequently and wanted to try implementing some of the features myself.</a:t>
             </a:r>
             <a:endParaRPr>
               <a:solidFill>
@@ -7598,18 +7146,14 @@
             </a:endParaRPr>
           </a:p>
           <a:p>
-            <a:pPr indent="-342900" lvl="0" marL="457200" rtl="0" algn="l">
+            <a:pPr indent="0" lvl="0" marL="0" rtl="0" algn="l">
               <a:spcBef>
                 <a:spcPts val="1200"/>
               </a:spcBef>
               <a:spcAft>
                 <a:spcPts val="0"/>
               </a:spcAft>
-              <a:buClr>
-                <a:schemeClr val="lt1"/>
-              </a:buClr>
-              <a:buSzPts val="1800"/>
-              <a:buChar char="●"/>
+              <a:buNone/>
             </a:pPr>
             <a:r>
               <a:rPr lang="en">
@@ -7617,7 +7161,7 @@
                   <a:schemeClr val="lt1"/>
                 </a:solidFill>
               </a:rPr>
-              <a:t>Run specialized searches (e.g. if title has been checked out, what titles a user has currently checked out etc.)</a:t>
+              <a:t>I built this application in Java (with IntelliJ, Spring Boot) with MariaDB as the database, using HTML, CSS (including Bootstrap), JavaScript and jQuery for the user interface.</a:t>
             </a:r>
             <a:endParaRPr>
               <a:solidFill>
@@ -7626,26 +7170,17 @@
             </a:endParaRPr>
           </a:p>
           <a:p>
-            <a:pPr indent="-342900" lvl="0" marL="457200" rtl="0" algn="l">
-              <a:spcBef>
-                <a:spcPts val="0"/>
-              </a:spcBef>
-              <a:spcAft>
-                <a:spcPts val="0"/>
-              </a:spcAft>
-              <a:buClr>
-                <a:schemeClr val="lt1"/>
-              </a:buClr>
-              <a:buSzPts val="1800"/>
-              <a:buChar char="●"/>
+            <a:pPr indent="0" lvl="0" marL="0" rtl="0" algn="l">
+              <a:spcBef>
+                <a:spcPts val="1200"/>
+              </a:spcBef>
+              <a:spcAft>
+                <a:spcPts val="0"/>
+              </a:spcAft>
+              <a:buNone/>
             </a:pPr>
             <a:r>
-              <a:rPr lang="en">
-                <a:solidFill>
-                  <a:schemeClr val="lt1"/>
-                </a:solidFill>
-              </a:rPr>
-              <a:t>Add new books to the library’s collection</a:t>
+              <a:t/>
             </a:r>
             <a:endParaRPr>
               <a:solidFill>
@@ -7654,54 +7189,17 @@
             </a:endParaRPr>
           </a:p>
           <a:p>
-            <a:pPr indent="-342900" lvl="0" marL="457200" rtl="0" algn="l">
-              <a:spcBef>
-                <a:spcPts val="0"/>
-              </a:spcBef>
-              <a:spcAft>
-                <a:spcPts val="0"/>
-              </a:spcAft>
-              <a:buClr>
-                <a:schemeClr val="lt1"/>
-              </a:buClr>
-              <a:buSzPts val="1800"/>
-              <a:buChar char="●"/>
+            <a:pPr indent="0" lvl="0" marL="0" rtl="0" algn="l">
+              <a:spcBef>
+                <a:spcPts val="1200"/>
+              </a:spcBef>
+              <a:spcAft>
+                <a:spcPts val="1200"/>
+              </a:spcAft>
+              <a:buNone/>
             </a:pPr>
             <a:r>
-              <a:rPr lang="en">
-                <a:solidFill>
-                  <a:schemeClr val="lt1"/>
-                </a:solidFill>
-              </a:rPr>
-              <a:t>Edit book information</a:t>
-            </a:r>
-            <a:endParaRPr>
-              <a:solidFill>
-                <a:schemeClr val="lt1"/>
-              </a:solidFill>
-            </a:endParaRPr>
-          </a:p>
-          <a:p>
-            <a:pPr indent="-342900" lvl="0" marL="457200" rtl="0" algn="l">
-              <a:spcBef>
-                <a:spcPts val="0"/>
-              </a:spcBef>
-              <a:spcAft>
-                <a:spcPts val="0"/>
-              </a:spcAft>
-              <a:buClr>
-                <a:schemeClr val="lt1"/>
-              </a:buClr>
-              <a:buSzPts val="1800"/>
-              <a:buChar char="●"/>
-            </a:pPr>
-            <a:r>
-              <a:rPr lang="en">
-                <a:solidFill>
-                  <a:schemeClr val="lt1"/>
-                </a:solidFill>
-              </a:rPr>
-              <a:t>Edit user information</a:t>
+              <a:t/>
             </a:r>
             <a:endParaRPr>
               <a:solidFill>
@@ -7731,7 +7229,7 @@
     </p:bg>
     <p:spTree>
       <p:nvGrpSpPr>
-        <p:cNvPr id="77" name="Shape 77"/>
+        <p:cNvPr id="78" name="Shape 78"/>
         <p:cNvGrpSpPr/>
         <p:nvPr/>
       </p:nvGrpSpPr>
@@ -7745,7 +7243,7 @@
       </p:grpSpPr>
       <p:sp>
         <p:nvSpPr>
-          <p:cNvPr id="78" name="Google Shape;78;p16"/>
+          <p:cNvPr id="79" name="Google Shape;79;p16"/>
           <p:cNvSpPr txBox="1"/>
           <p:nvPr>
             <p:ph type="title"/>
@@ -7781,7 +7279,7 @@
                   <a:schemeClr val="lt1"/>
                 </a:solidFill>
               </a:rPr>
-              <a:t>Use case (continued)</a:t>
+              <a:t>User stories</a:t>
             </a:r>
             <a:endParaRPr>
               <a:solidFill>
@@ -7793,7 +7291,7 @@
       </p:sp>
       <p:sp>
         <p:nvSpPr>
-          <p:cNvPr id="79" name="Google Shape;79;p16"/>
+          <p:cNvPr id="80" name="Google Shape;80;p16"/>
           <p:cNvSpPr txBox="1"/>
           <p:nvPr>
             <p:ph idx="1" type="body"/>
@@ -7802,7 +7300,7 @@
         <p:spPr>
           <a:xfrm>
             <a:off x="311700" y="1152475"/>
-            <a:ext cx="8520600" cy="3416400"/>
+            <a:ext cx="4168800" cy="3416400"/>
           </a:xfrm>
           <a:prstGeom prst="rect">
             <a:avLst/>
@@ -7824,21 +7322,21 @@
               <a:buNone/>
             </a:pPr>
             <a:r>
-              <a:rPr lang="en">
+              <a:rPr lang="en" sz="2000">
                 <a:solidFill>
                   <a:schemeClr val="lt1"/>
                 </a:solidFill>
               </a:rPr>
-              <a:t>Library users are able to:</a:t>
+              <a:t>Library staff</a:t>
             </a:r>
-            <a:endParaRPr>
+            <a:endParaRPr sz="2000">
               <a:solidFill>
                 <a:schemeClr val="lt1"/>
               </a:solidFill>
             </a:endParaRPr>
           </a:p>
           <a:p>
-            <a:pPr indent="-342900" lvl="0" marL="457200" rtl="0" algn="l">
+            <a:pPr indent="-330200" lvl="0" marL="457200" rtl="0" algn="l">
               <a:spcBef>
                 <a:spcPts val="1200"/>
               </a:spcBef>
@@ -7848,25 +7346,25 @@
               <a:buClr>
                 <a:schemeClr val="lt1"/>
               </a:buClr>
-              <a:buSzPts val="1800"/>
+              <a:buSzPts val="1600"/>
               <a:buChar char="●"/>
             </a:pPr>
             <a:r>
-              <a:rPr lang="en">
+              <a:rPr lang="en" sz="1600">
                 <a:solidFill>
                   <a:schemeClr val="lt1"/>
                 </a:solidFill>
               </a:rPr>
-              <a:t>Edit their account information</a:t>
+              <a:t>Run specialized searches (e.g. if title has been checked out, what titles a user has currently checked out etc.)</a:t>
             </a:r>
-            <a:endParaRPr>
+            <a:endParaRPr sz="1600">
               <a:solidFill>
                 <a:schemeClr val="lt1"/>
               </a:solidFill>
             </a:endParaRPr>
           </a:p>
           <a:p>
-            <a:pPr indent="-342900" lvl="0" marL="457200" rtl="0" algn="l">
+            <a:pPr indent="-330200" lvl="0" marL="457200" rtl="0" algn="l">
               <a:spcBef>
                 <a:spcPts val="0"/>
               </a:spcBef>
@@ -7876,25 +7374,25 @@
               <a:buClr>
                 <a:schemeClr val="lt1"/>
               </a:buClr>
-              <a:buSzPts val="1800"/>
+              <a:buSzPts val="1600"/>
               <a:buChar char="●"/>
             </a:pPr>
             <a:r>
-              <a:rPr lang="en">
+              <a:rPr lang="en" sz="1600">
                 <a:solidFill>
                   <a:schemeClr val="lt1"/>
                 </a:solidFill>
               </a:rPr>
-              <a:t>Run basic searches (by title, by author, by category)</a:t>
+              <a:t>Add new books to the library’s collection</a:t>
             </a:r>
-            <a:endParaRPr>
+            <a:endParaRPr sz="1600">
               <a:solidFill>
                 <a:schemeClr val="lt1"/>
               </a:solidFill>
             </a:endParaRPr>
           </a:p>
           <a:p>
-            <a:pPr indent="-342900" lvl="0" marL="457200" rtl="0" algn="l">
+            <a:pPr indent="-330200" lvl="0" marL="457200" rtl="0" algn="l">
               <a:spcBef>
                 <a:spcPts val="0"/>
               </a:spcBef>
@@ -7904,25 +7402,25 @@
               <a:buClr>
                 <a:schemeClr val="lt1"/>
               </a:buClr>
-              <a:buSzPts val="1800"/>
+              <a:buSzPts val="1600"/>
               <a:buChar char="●"/>
             </a:pPr>
             <a:r>
-              <a:rPr lang="en">
+              <a:rPr lang="en" sz="1600">
                 <a:solidFill>
                   <a:schemeClr val="lt1"/>
                 </a:solidFill>
               </a:rPr>
-              <a:t>Check out books</a:t>
+              <a:t>Edit book information</a:t>
             </a:r>
-            <a:endParaRPr>
+            <a:endParaRPr sz="1600">
               <a:solidFill>
                 <a:schemeClr val="lt1"/>
               </a:solidFill>
             </a:endParaRPr>
           </a:p>
           <a:p>
-            <a:pPr indent="-342900" lvl="0" marL="457200" rtl="0" algn="l">
+            <a:pPr indent="-330200" lvl="0" marL="457200" rtl="0" algn="l">
               <a:spcBef>
                 <a:spcPts val="0"/>
               </a:spcBef>
@@ -7932,27 +7430,75 @@
               <a:buClr>
                 <a:schemeClr val="lt1"/>
               </a:buClr>
-              <a:buSzPts val="1800"/>
+              <a:buSzPts val="1600"/>
               <a:buChar char="●"/>
             </a:pPr>
             <a:r>
-              <a:rPr lang="en">
+              <a:rPr lang="en" sz="1600">
                 <a:solidFill>
                   <a:schemeClr val="lt1"/>
                 </a:solidFill>
               </a:rPr>
-              <a:t>Renew books</a:t>
+              <a:t>Edit user information</a:t>
             </a:r>
-            <a:endParaRPr>
+            <a:endParaRPr sz="1200">
+              <a:solidFill>
+                <a:schemeClr val="lt1"/>
+              </a:solidFill>
+            </a:endParaRPr>
+          </a:p>
+        </p:txBody>
+      </p:sp>
+      <p:sp>
+        <p:nvSpPr>
+          <p:cNvPr id="81" name="Google Shape;81;p16"/>
+          <p:cNvSpPr txBox="1"/>
+          <p:nvPr>
+            <p:ph idx="4294967295" type="body"/>
+          </p:nvPr>
+        </p:nvSpPr>
+        <p:spPr>
+          <a:xfrm>
+            <a:off x="4832400" y="1152475"/>
+            <a:ext cx="3999900" cy="3416400"/>
+          </a:xfrm>
+          <a:prstGeom prst="rect">
+            <a:avLst/>
+          </a:prstGeom>
+        </p:spPr>
+        <p:txBody>
+          <a:bodyPr anchorCtr="0" anchor="t" bIns="91425" lIns="91425" spcFirstLastPara="1" rIns="91425" wrap="square" tIns="91425">
+            <a:normAutofit/>
+          </a:bodyPr>
+          <a:lstStyle/>
+          <a:p>
+            <a:pPr indent="0" lvl="0" marL="0" rtl="0" algn="l">
+              <a:spcBef>
+                <a:spcPts val="0"/>
+              </a:spcBef>
+              <a:spcAft>
+                <a:spcPts val="0"/>
+              </a:spcAft>
+              <a:buNone/>
+            </a:pPr>
+            <a:r>
+              <a:rPr lang="en" sz="2000">
+                <a:solidFill>
+                  <a:schemeClr val="lt1"/>
+                </a:solidFill>
+              </a:rPr>
+              <a:t>Library user</a:t>
+            </a:r>
+            <a:endParaRPr sz="2000">
               <a:solidFill>
                 <a:schemeClr val="lt1"/>
               </a:solidFill>
             </a:endParaRPr>
           </a:p>
           <a:p>
-            <a:pPr indent="-342900" lvl="0" marL="457200" rtl="0" algn="l">
-              <a:spcBef>
-                <a:spcPts val="0"/>
+            <a:pPr indent="-330200" lvl="0" marL="457200" rtl="0" algn="l">
+              <a:spcBef>
+                <a:spcPts val="1200"/>
               </a:spcBef>
               <a:spcAft>
                 <a:spcPts val="0"/>
@@ -7960,25 +7506,25 @@
               <a:buClr>
                 <a:schemeClr val="lt1"/>
               </a:buClr>
-              <a:buSzPts val="1800"/>
+              <a:buSzPts val="1600"/>
               <a:buChar char="●"/>
             </a:pPr>
             <a:r>
-              <a:rPr lang="en">
+              <a:rPr lang="en" sz="1600">
                 <a:solidFill>
                   <a:schemeClr val="lt1"/>
                 </a:solidFill>
               </a:rPr>
-              <a:t>Return books</a:t>
+              <a:t>Edit their account information</a:t>
             </a:r>
-            <a:endParaRPr>
+            <a:endParaRPr sz="1600">
               <a:solidFill>
                 <a:schemeClr val="lt1"/>
               </a:solidFill>
             </a:endParaRPr>
           </a:p>
           <a:p>
-            <a:pPr indent="-342900" lvl="0" marL="457200" rtl="0" algn="l">
+            <a:pPr indent="-330200" lvl="0" marL="457200" rtl="0" algn="l">
               <a:spcBef>
                 <a:spcPts val="0"/>
               </a:spcBef>
@@ -7988,18 +7534,130 @@
               <a:buClr>
                 <a:schemeClr val="lt1"/>
               </a:buClr>
-              <a:buSzPts val="1800"/>
+              <a:buSzPts val="1600"/>
               <a:buChar char="●"/>
             </a:pPr>
             <a:r>
-              <a:rPr lang="en">
+              <a:rPr lang="en" sz="1600">
+                <a:solidFill>
+                  <a:schemeClr val="lt1"/>
+                </a:solidFill>
+              </a:rPr>
+              <a:t>Run basic searches (by title, by author, by category)</a:t>
+            </a:r>
+            <a:endParaRPr sz="1600">
+              <a:solidFill>
+                <a:schemeClr val="lt1"/>
+              </a:solidFill>
+            </a:endParaRPr>
+          </a:p>
+          <a:p>
+            <a:pPr indent="-330200" lvl="0" marL="457200" rtl="0" algn="l">
+              <a:spcBef>
+                <a:spcPts val="0"/>
+              </a:spcBef>
+              <a:spcAft>
+                <a:spcPts val="0"/>
+              </a:spcAft>
+              <a:buClr>
+                <a:schemeClr val="lt1"/>
+              </a:buClr>
+              <a:buSzPts val="1600"/>
+              <a:buChar char="●"/>
+            </a:pPr>
+            <a:r>
+              <a:rPr lang="en" sz="1600">
+                <a:solidFill>
+                  <a:schemeClr val="lt1"/>
+                </a:solidFill>
+              </a:rPr>
+              <a:t>Check out books</a:t>
+            </a:r>
+            <a:endParaRPr sz="1600">
+              <a:solidFill>
+                <a:schemeClr val="lt1"/>
+              </a:solidFill>
+            </a:endParaRPr>
+          </a:p>
+          <a:p>
+            <a:pPr indent="-330200" lvl="0" marL="457200" rtl="0" algn="l">
+              <a:spcBef>
+                <a:spcPts val="0"/>
+              </a:spcBef>
+              <a:spcAft>
+                <a:spcPts val="0"/>
+              </a:spcAft>
+              <a:buClr>
+                <a:schemeClr val="lt1"/>
+              </a:buClr>
+              <a:buSzPts val="1600"/>
+              <a:buChar char="●"/>
+            </a:pPr>
+            <a:r>
+              <a:rPr lang="en" sz="1600">
+                <a:solidFill>
+                  <a:schemeClr val="lt1"/>
+                </a:solidFill>
+              </a:rPr>
+              <a:t>Renew books</a:t>
+            </a:r>
+            <a:endParaRPr sz="1600">
+              <a:solidFill>
+                <a:schemeClr val="lt1"/>
+              </a:solidFill>
+            </a:endParaRPr>
+          </a:p>
+          <a:p>
+            <a:pPr indent="-330200" lvl="0" marL="457200" rtl="0" algn="l">
+              <a:spcBef>
+                <a:spcPts val="0"/>
+              </a:spcBef>
+              <a:spcAft>
+                <a:spcPts val="0"/>
+              </a:spcAft>
+              <a:buClr>
+                <a:schemeClr val="lt1"/>
+              </a:buClr>
+              <a:buSzPts val="1600"/>
+              <a:buChar char="●"/>
+            </a:pPr>
+            <a:r>
+              <a:rPr lang="en" sz="1600">
+                <a:solidFill>
+                  <a:schemeClr val="lt1"/>
+                </a:solidFill>
+              </a:rPr>
+              <a:t>Return books</a:t>
+            </a:r>
+            <a:endParaRPr sz="1600">
+              <a:solidFill>
+                <a:schemeClr val="lt1"/>
+              </a:solidFill>
+            </a:endParaRPr>
+          </a:p>
+          <a:p>
+            <a:pPr indent="-330200" lvl="0" marL="457200" rtl="0" algn="l">
+              <a:spcBef>
+                <a:spcPts val="0"/>
+              </a:spcBef>
+              <a:spcAft>
+                <a:spcPts val="0"/>
+              </a:spcAft>
+              <a:buClr>
+                <a:schemeClr val="lt1"/>
+              </a:buClr>
+              <a:buSzPts val="1600"/>
+              <a:buChar char="●"/>
+            </a:pPr>
+            <a:r>
+              <a:rPr lang="en" sz="1600">
                 <a:solidFill>
                   <a:schemeClr val="lt1"/>
                 </a:solidFill>
               </a:rPr>
               <a:t>View their current checkouts</a:t>
             </a:r>
-            <a:endParaRPr>
+            <a:endParaRPr sz="1200">
               <a:solidFill>
                 <a:schemeClr val="lt1"/>
               </a:solidFill>
@@ -8027,7 +7685,7 @@
     </p:bg>
     <p:spTree>
       <p:nvGrpSpPr>
-        <p:cNvPr id="83" name="Shape 83"/>
+        <p:cNvPr id="85" name="Shape 85"/>
         <p:cNvGrpSpPr/>
         <p:nvPr/>
       </p:nvGrpSpPr>
@@ -8041,7 +7699,7 @@
       </p:grpSpPr>
       <p:sp>
         <p:nvSpPr>
-          <p:cNvPr id="84" name="Google Shape;84;p17"/>
+          <p:cNvPr id="86" name="Google Shape;86;p17"/>
           <p:cNvSpPr txBox="1"/>
           <p:nvPr>
             <p:ph type="title"/>
@@ -8077,254 +7735,6 @@
                   <a:schemeClr val="lt1"/>
                 </a:solidFill>
               </a:rPr>
-              <a:t>Technologies and tools used</a:t>
-            </a:r>
-            <a:endParaRPr>
-              <a:solidFill>
-                <a:schemeClr val="lt1"/>
-              </a:solidFill>
-            </a:endParaRPr>
-          </a:p>
-        </p:txBody>
-      </p:sp>
-      <p:sp>
-        <p:nvSpPr>
-          <p:cNvPr id="85" name="Google Shape;85;p17"/>
-          <p:cNvSpPr txBox="1"/>
-          <p:nvPr>
-            <p:ph idx="1" type="body"/>
-          </p:nvPr>
-        </p:nvSpPr>
-        <p:spPr>
-          <a:xfrm>
-            <a:off x="311700" y="1152475"/>
-            <a:ext cx="8520600" cy="3416400"/>
-          </a:xfrm>
-          <a:prstGeom prst="rect">
-            <a:avLst/>
-          </a:prstGeom>
-        </p:spPr>
-        <p:txBody>
-          <a:bodyPr anchorCtr="0" anchor="t" bIns="91425" lIns="91425" spcFirstLastPara="1" rIns="91425" wrap="square" tIns="91425">
-            <a:normAutofit/>
-          </a:bodyPr>
-          <a:lstStyle/>
-          <a:p>
-            <a:pPr indent="0" lvl="0" marL="0" rtl="0" algn="l">
-              <a:spcBef>
-                <a:spcPts val="0"/>
-              </a:spcBef>
-              <a:spcAft>
-                <a:spcPts val="0"/>
-              </a:spcAft>
-              <a:buNone/>
-            </a:pPr>
-            <a:r>
-              <a:rPr lang="en">
-                <a:solidFill>
-                  <a:schemeClr val="lt1"/>
-                </a:solidFill>
-              </a:rPr>
-              <a:t>Java 8</a:t>
-            </a:r>
-            <a:endParaRPr>
-              <a:solidFill>
-                <a:schemeClr val="lt1"/>
-              </a:solidFill>
-            </a:endParaRPr>
-          </a:p>
-          <a:p>
-            <a:pPr indent="0" lvl="0" marL="0" rtl="0" algn="l">
-              <a:spcBef>
-                <a:spcPts val="1200"/>
-              </a:spcBef>
-              <a:spcAft>
-                <a:spcPts val="0"/>
-              </a:spcAft>
-              <a:buNone/>
-            </a:pPr>
-            <a:r>
-              <a:rPr lang="en">
-                <a:solidFill>
-                  <a:schemeClr val="lt1"/>
-                </a:solidFill>
-              </a:rPr>
-              <a:t>IntelliJ</a:t>
-            </a:r>
-            <a:endParaRPr>
-              <a:solidFill>
-                <a:schemeClr val="lt1"/>
-              </a:solidFill>
-            </a:endParaRPr>
-          </a:p>
-          <a:p>
-            <a:pPr indent="0" lvl="0" marL="0" rtl="0" algn="l">
-              <a:spcBef>
-                <a:spcPts val="1200"/>
-              </a:spcBef>
-              <a:spcAft>
-                <a:spcPts val="0"/>
-              </a:spcAft>
-              <a:buNone/>
-            </a:pPr>
-            <a:r>
-              <a:rPr lang="en">
-                <a:solidFill>
-                  <a:schemeClr val="lt1"/>
-                </a:solidFill>
-              </a:rPr>
-              <a:t>Spring Boot</a:t>
-            </a:r>
-            <a:endParaRPr>
-              <a:solidFill>
-                <a:schemeClr val="lt1"/>
-              </a:solidFill>
-            </a:endParaRPr>
-          </a:p>
-          <a:p>
-            <a:pPr indent="0" lvl="0" marL="0" rtl="0" algn="l">
-              <a:spcBef>
-                <a:spcPts val="1200"/>
-              </a:spcBef>
-              <a:spcAft>
-                <a:spcPts val="0"/>
-              </a:spcAft>
-              <a:buNone/>
-            </a:pPr>
-            <a:r>
-              <a:rPr lang="en">
-                <a:solidFill>
-                  <a:schemeClr val="lt1"/>
-                </a:solidFill>
-              </a:rPr>
-              <a:t>MariaDB</a:t>
-            </a:r>
-            <a:endParaRPr>
-              <a:solidFill>
-                <a:schemeClr val="lt1"/>
-              </a:solidFill>
-            </a:endParaRPr>
-          </a:p>
-          <a:p>
-            <a:pPr indent="0" lvl="0" marL="0" rtl="0" algn="l">
-              <a:spcBef>
-                <a:spcPts val="1200"/>
-              </a:spcBef>
-              <a:spcAft>
-                <a:spcPts val="0"/>
-              </a:spcAft>
-              <a:buNone/>
-            </a:pPr>
-            <a:r>
-              <a:rPr lang="en">
-                <a:solidFill>
-                  <a:schemeClr val="lt1"/>
-                </a:solidFill>
-              </a:rPr>
-              <a:t>HTML, CSS (Bootstrap), JavaScript</a:t>
-            </a:r>
-            <a:endParaRPr>
-              <a:solidFill>
-                <a:schemeClr val="lt1"/>
-              </a:solidFill>
-            </a:endParaRPr>
-          </a:p>
-          <a:p>
-            <a:pPr indent="0" lvl="0" marL="0" rtl="0" algn="l">
-              <a:spcBef>
-                <a:spcPts val="1200"/>
-              </a:spcBef>
-              <a:spcAft>
-                <a:spcPts val="1200"/>
-              </a:spcAft>
-              <a:buNone/>
-            </a:pPr>
-            <a:r>
-              <a:rPr lang="en">
-                <a:solidFill>
-                  <a:schemeClr val="lt1"/>
-                </a:solidFill>
-              </a:rPr>
-              <a:t>jQuery</a:t>
-            </a:r>
-            <a:endParaRPr>
-              <a:solidFill>
-                <a:schemeClr val="lt1"/>
-              </a:solidFill>
-            </a:endParaRPr>
-          </a:p>
-        </p:txBody>
-      </p:sp>
-    </p:spTree>
-  </p:cSld>
-  <p:clrMapOvr>
-    <a:masterClrMapping/>
-  </p:clrMapOvr>
-</p:sld>
-</file>
-
-<file path=ppt/slides/slide6.xml><?xml version="1.0" encoding="utf-8"?>
-<p:sld xmlns:a="http://schemas.openxmlformats.org/drawingml/2006/main" xmlns:r="http://schemas.openxmlformats.org/officeDocument/2006/relationships" xmlns:mc="http://schemas.openxmlformats.org/markup-compatibility/2006" xmlns:mv="urn:schemas-microsoft-com:mac:vml" xmlns:p="http://schemas.openxmlformats.org/presentationml/2006/main" xmlns:c="http://schemas.openxmlformats.org/drawingml/2006/chart" xmlns:dgm="http://schemas.openxmlformats.org/drawingml/2006/diagram" xmlns:o="urn:schemas-microsoft-com:office:office" xmlns:v="urn:schemas-microsoft-com:vml" xmlns:pvml="urn:schemas-microsoft-com:office:powerpoint" xmlns:com="http://schemas.openxmlformats.org/drawingml/2006/compatibility" xmlns:p14="http://schemas.microsoft.com/office/powerpoint/2010/main" xmlns:p15="http://schemas.microsoft.com/office/powerpoint/2012/main" xmlns:ahyp="http://schemas.microsoft.com/office/drawing/2018/hyperlinkcolor">
-  <p:cSld>
-    <p:bg>
-      <p:bgPr>
-        <a:solidFill>
-          <a:schemeClr val="dk1"/>
-        </a:solidFill>
-      </p:bgPr>
-    </p:bg>
-    <p:spTree>
-      <p:nvGrpSpPr>
-        <p:cNvPr id="89" name="Shape 89"/>
-        <p:cNvGrpSpPr/>
-        <p:nvPr/>
-      </p:nvGrpSpPr>
-      <p:grpSpPr>
-        <a:xfrm>
-          <a:off x="0" y="0"/>
-          <a:ext cx="0" cy="0"/>
-          <a:chOff x="0" y="0"/>
-          <a:chExt cx="0" cy="0"/>
-        </a:xfrm>
-      </p:grpSpPr>
-      <p:sp>
-        <p:nvSpPr>
-          <p:cNvPr id="90" name="Google Shape;90;p18"/>
-          <p:cNvSpPr txBox="1"/>
-          <p:nvPr>
-            <p:ph type="title"/>
-          </p:nvPr>
-        </p:nvSpPr>
-        <p:spPr>
-          <a:xfrm>
-            <a:off x="311700" y="445025"/>
-            <a:ext cx="8520600" cy="572700"/>
-          </a:xfrm>
-          <a:prstGeom prst="rect">
-            <a:avLst/>
-          </a:prstGeom>
-        </p:spPr>
-        <p:txBody>
-          <a:bodyPr anchorCtr="0" anchor="t" bIns="91425" lIns="91425" spcFirstLastPara="1" rIns="91425" wrap="square" tIns="91425">
-            <a:normAutofit fontScale="90000"/>
-          </a:bodyPr>
-          <a:lstStyle/>
-          <a:p>
-            <a:pPr indent="0" lvl="0" marL="0" rtl="0" algn="l">
-              <a:spcBef>
-                <a:spcPts val="0"/>
-              </a:spcBef>
-              <a:spcAft>
-                <a:spcPts val="0"/>
-              </a:spcAft>
-              <a:buNone/>
-            </a:pPr>
-            <a:r>
-              <a:rPr lang="en">
-                <a:solidFill>
-                  <a:schemeClr val="lt1"/>
-                </a:solidFill>
-              </a:rPr>
               <a:t>The database</a:t>
             </a:r>
             <a:endParaRPr>
@@ -8337,7 +7747,7 @@
       </p:sp>
       <p:pic>
         <p:nvPicPr>
-          <p:cNvPr id="91" name="Google Shape;91;p18"/>
+          <p:cNvPr id="87" name="Google Shape;87;p17"/>
           <p:cNvPicPr preferRelativeResize="0"/>
           <p:nvPr/>
         </p:nvPicPr>
@@ -8371,7 +7781,7 @@
 </p:sld>
 </file>
 
-<file path=ppt/slides/slide7.xml><?xml version="1.0" encoding="utf-8"?>
+<file path=ppt/slides/slide6.xml><?xml version="1.0" encoding="utf-8"?>
 <p:sld xmlns:a="http://schemas.openxmlformats.org/drawingml/2006/main" xmlns:r="http://schemas.openxmlformats.org/officeDocument/2006/relationships" xmlns:mc="http://schemas.openxmlformats.org/markup-compatibility/2006" xmlns:mv="urn:schemas-microsoft-com:mac:vml" xmlns:p="http://schemas.openxmlformats.org/presentationml/2006/main" xmlns:c="http://schemas.openxmlformats.org/drawingml/2006/chart" xmlns:dgm="http://schemas.openxmlformats.org/drawingml/2006/diagram" xmlns:o="urn:schemas-microsoft-com:office:office" xmlns:v="urn:schemas-microsoft-com:vml" xmlns:pvml="urn:schemas-microsoft-com:office:powerpoint" xmlns:com="http://schemas.openxmlformats.org/drawingml/2006/compatibility" xmlns:p14="http://schemas.microsoft.com/office/powerpoint/2010/main" xmlns:p15="http://schemas.microsoft.com/office/powerpoint/2012/main" xmlns:ahyp="http://schemas.microsoft.com/office/drawing/2018/hyperlinkcolor">
   <p:cSld>
     <p:bg>
@@ -8383,7 +7793,7 @@
     </p:bg>
     <p:spTree>
       <p:nvGrpSpPr>
-        <p:cNvPr id="95" name="Shape 95"/>
+        <p:cNvPr id="91" name="Shape 91"/>
         <p:cNvGrpSpPr/>
         <p:nvPr/>
       </p:nvGrpSpPr>
@@ -8397,7 +7807,55 @@
       </p:grpSpPr>
       <p:sp>
         <p:nvSpPr>
-          <p:cNvPr id="96" name="Google Shape;96;p19"/>
+          <p:cNvPr id="92" name="Google Shape;92;p18"/>
+          <p:cNvSpPr txBox="1"/>
+          <p:nvPr>
+            <p:ph idx="1" type="body"/>
+          </p:nvPr>
+        </p:nvSpPr>
+        <p:spPr>
+          <a:xfrm>
+            <a:off x="311700" y="1152475"/>
+            <a:ext cx="8520600" cy="3416400"/>
+          </a:xfrm>
+          <a:prstGeom prst="rect">
+            <a:avLst/>
+          </a:prstGeom>
+        </p:spPr>
+        <p:txBody>
+          <a:bodyPr anchorCtr="0" anchor="t" bIns="91425" lIns="91425" spcFirstLastPara="1" rIns="91425" wrap="square" tIns="91425">
+            <a:normAutofit/>
+          </a:bodyPr>
+          <a:lstStyle/>
+          <a:p>
+            <a:pPr indent="0" lvl="0" marL="0" rtl="0" algn="ctr">
+              <a:spcBef>
+                <a:spcPts val="0"/>
+              </a:spcBef>
+              <a:spcAft>
+                <a:spcPts val="1200"/>
+              </a:spcAft>
+              <a:buNone/>
+            </a:pPr>
+            <a:r>
+              <a:rPr lang="en">
+                <a:solidFill>
+                  <a:schemeClr val="lt1"/>
+                </a:solidFill>
+              </a:rPr>
+              <a:t>Thank you!</a:t>
+            </a:r>
+            <a:endParaRPr>
+              <a:solidFill>
+                <a:schemeClr val="lt1"/>
+              </a:solidFill>
+            </a:endParaRPr>
+          </a:p>
+        </p:txBody>
+      </p:sp>
+      <p:sp>
+        <p:nvSpPr>
+          <p:cNvPr id="93" name="Google Shape;93;p18"/>
           <p:cNvSpPr txBox="1"/>
           <p:nvPr>
             <p:ph type="title"/>
@@ -8428,502 +7886,9 @@
               <a:buNone/>
             </a:pPr>
             <a:r>
-              <a:rPr lang="en">
-                <a:solidFill>
-                  <a:schemeClr val="lt1"/>
-                </a:solidFill>
-              </a:rPr>
-              <a:t>How the application works</a:t>
+              <a:t/>
             </a:r>
-            <a:endParaRPr>
-              <a:solidFill>
-                <a:schemeClr val="lt1"/>
-              </a:solidFill>
-            </a:endParaRPr>
-          </a:p>
-        </p:txBody>
-      </p:sp>
-      <p:sp>
-        <p:nvSpPr>
-          <p:cNvPr id="97" name="Google Shape;97;p19"/>
-          <p:cNvSpPr txBox="1"/>
-          <p:nvPr>
-            <p:ph idx="1" type="body"/>
-          </p:nvPr>
-        </p:nvSpPr>
-        <p:spPr>
-          <a:xfrm>
-            <a:off x="311700" y="1152475"/>
-            <a:ext cx="8520600" cy="3416400"/>
-          </a:xfrm>
-          <a:prstGeom prst="rect">
-            <a:avLst/>
-          </a:prstGeom>
-        </p:spPr>
-        <p:txBody>
-          <a:bodyPr anchorCtr="0" anchor="t" bIns="91425" lIns="91425" spcFirstLastPara="1" rIns="91425" wrap="square" tIns="91425">
-            <a:normAutofit/>
-          </a:bodyPr>
-          <a:lstStyle/>
-          <a:p>
-            <a:pPr indent="-342900" lvl="0" marL="457200" rtl="0" algn="l">
-              <a:spcBef>
-                <a:spcPts val="0"/>
-              </a:spcBef>
-              <a:spcAft>
-                <a:spcPts val="0"/>
-              </a:spcAft>
-              <a:buClr>
-                <a:schemeClr val="lt1"/>
-              </a:buClr>
-              <a:buSzPts val="1800"/>
-              <a:buChar char="●"/>
-            </a:pPr>
-            <a:r>
-              <a:rPr lang="en">
-                <a:solidFill>
-                  <a:schemeClr val="lt1"/>
-                </a:solidFill>
-              </a:rPr>
-              <a:t>Java code connects to the MariaDB database to get/save information about users, books and checkouts. (Spring Data JPA)</a:t>
-            </a:r>
-            <a:endParaRPr>
-              <a:solidFill>
-                <a:schemeClr val="lt1"/>
-              </a:solidFill>
-            </a:endParaRPr>
-          </a:p>
-          <a:p>
-            <a:pPr indent="-342900" lvl="0" marL="457200" rtl="0" algn="l">
-              <a:spcBef>
-                <a:spcPts val="0"/>
-              </a:spcBef>
-              <a:spcAft>
-                <a:spcPts val="0"/>
-              </a:spcAft>
-              <a:buClr>
-                <a:schemeClr val="lt1"/>
-              </a:buClr>
-              <a:buSzPts val="1800"/>
-              <a:buChar char="●"/>
-            </a:pPr>
-            <a:r>
-              <a:rPr lang="en">
-                <a:solidFill>
-                  <a:schemeClr val="lt1"/>
-                </a:solidFill>
-              </a:rPr>
-              <a:t>Java code sends data from database to JSPs (Model-View-Controller)</a:t>
-            </a:r>
-            <a:endParaRPr>
-              <a:solidFill>
-                <a:schemeClr val="lt1"/>
-              </a:solidFill>
-            </a:endParaRPr>
-          </a:p>
-          <a:p>
-            <a:pPr indent="-342900" lvl="0" marL="457200" rtl="0" algn="l">
-              <a:spcBef>
-                <a:spcPts val="0"/>
-              </a:spcBef>
-              <a:spcAft>
-                <a:spcPts val="0"/>
-              </a:spcAft>
-              <a:buClr>
-                <a:schemeClr val="lt1"/>
-              </a:buClr>
-              <a:buSzPts val="1800"/>
-              <a:buChar char="●"/>
-            </a:pPr>
-            <a:r>
-              <a:rPr lang="en">
-                <a:solidFill>
-                  <a:schemeClr val="lt1"/>
-                </a:solidFill>
-              </a:rPr>
-              <a:t>Spring Security is used to login, authenticate and authorize users.</a:t>
-            </a:r>
-            <a:endParaRPr>
-              <a:solidFill>
-                <a:schemeClr val="lt1"/>
-              </a:solidFill>
-            </a:endParaRPr>
-          </a:p>
-        </p:txBody>
-      </p:sp>
-    </p:spTree>
-  </p:cSld>
-  <p:clrMapOvr>
-    <a:masterClrMapping/>
-  </p:clrMapOvr>
-</p:sld>
-</file>
-
-<file path=ppt/slides/slide8.xml><?xml version="1.0" encoding="utf-8"?>
-<p:sld xmlns:a="http://schemas.openxmlformats.org/drawingml/2006/main" xmlns:r="http://schemas.openxmlformats.org/officeDocument/2006/relationships" xmlns:mc="http://schemas.openxmlformats.org/markup-compatibility/2006" xmlns:mv="urn:schemas-microsoft-com:mac:vml" xmlns:p="http://schemas.openxmlformats.org/presentationml/2006/main" xmlns:c="http://schemas.openxmlformats.org/drawingml/2006/chart" xmlns:dgm="http://schemas.openxmlformats.org/drawingml/2006/diagram" xmlns:o="urn:schemas-microsoft-com:office:office" xmlns:v="urn:schemas-microsoft-com:vml" xmlns:pvml="urn:schemas-microsoft-com:office:powerpoint" xmlns:com="http://schemas.openxmlformats.org/drawingml/2006/compatibility" xmlns:p14="http://schemas.microsoft.com/office/powerpoint/2010/main" xmlns:p15="http://schemas.microsoft.com/office/powerpoint/2012/main" xmlns:ahyp="http://schemas.microsoft.com/office/drawing/2018/hyperlinkcolor">
-  <p:cSld>
-    <p:bg>
-      <p:bgPr>
-        <a:solidFill>
-          <a:schemeClr val="dk1"/>
-        </a:solidFill>
-      </p:bgPr>
-    </p:bg>
-    <p:spTree>
-      <p:nvGrpSpPr>
-        <p:cNvPr id="101" name="Shape 101"/>
-        <p:cNvGrpSpPr/>
-        <p:nvPr/>
-      </p:nvGrpSpPr>
-      <p:grpSpPr>
-        <a:xfrm>
-          <a:off x="0" y="0"/>
-          <a:ext cx="0" cy="0"/>
-          <a:chOff x="0" y="0"/>
-          <a:chExt cx="0" cy="0"/>
-        </a:xfrm>
-      </p:grpSpPr>
-      <p:sp>
-        <p:nvSpPr>
-          <p:cNvPr id="102" name="Google Shape;102;p20"/>
-          <p:cNvSpPr txBox="1"/>
-          <p:nvPr>
-            <p:ph type="title"/>
-          </p:nvPr>
-        </p:nvSpPr>
-        <p:spPr>
-          <a:xfrm>
-            <a:off x="311700" y="445025"/>
-            <a:ext cx="8520600" cy="572700"/>
-          </a:xfrm>
-          <a:prstGeom prst="rect">
-            <a:avLst/>
-          </a:prstGeom>
-        </p:spPr>
-        <p:txBody>
-          <a:bodyPr anchorCtr="0" anchor="t" bIns="91425" lIns="91425" spcFirstLastPara="1" rIns="91425" wrap="square" tIns="91425">
-            <a:normAutofit fontScale="90000"/>
-          </a:bodyPr>
-          <a:lstStyle/>
-          <a:p>
-            <a:pPr indent="0" lvl="0" marL="0" rtl="0" algn="l">
-              <a:spcBef>
-                <a:spcPts val="0"/>
-              </a:spcBef>
-              <a:spcAft>
-                <a:spcPts val="0"/>
-              </a:spcAft>
-              <a:buNone/>
-            </a:pPr>
-            <a:r>
-              <a:rPr lang="en">
-                <a:solidFill>
-                  <a:schemeClr val="lt1"/>
-                </a:solidFill>
-              </a:rPr>
-              <a:t>What I learned</a:t>
-            </a:r>
-            <a:endParaRPr>
-              <a:solidFill>
-                <a:schemeClr val="lt1"/>
-              </a:solidFill>
-            </a:endParaRPr>
-          </a:p>
-        </p:txBody>
-      </p:sp>
-      <p:sp>
-        <p:nvSpPr>
-          <p:cNvPr id="103" name="Google Shape;103;p20"/>
-          <p:cNvSpPr txBox="1"/>
-          <p:nvPr>
-            <p:ph idx="1" type="body"/>
-          </p:nvPr>
-        </p:nvSpPr>
-        <p:spPr>
-          <a:xfrm>
-            <a:off x="311700" y="1152475"/>
-            <a:ext cx="8520600" cy="3416400"/>
-          </a:xfrm>
-          <a:prstGeom prst="rect">
-            <a:avLst/>
-          </a:prstGeom>
-        </p:spPr>
-        <p:txBody>
-          <a:bodyPr anchorCtr="0" anchor="t" bIns="91425" lIns="91425" spcFirstLastPara="1" rIns="91425" wrap="square" tIns="91425">
-            <a:normAutofit/>
-          </a:bodyPr>
-          <a:lstStyle/>
-          <a:p>
-            <a:pPr indent="-342900" lvl="0" marL="457200" rtl="0" algn="l">
-              <a:spcBef>
-                <a:spcPts val="0"/>
-              </a:spcBef>
-              <a:spcAft>
-                <a:spcPts val="0"/>
-              </a:spcAft>
-              <a:buClr>
-                <a:schemeClr val="lt1"/>
-              </a:buClr>
-              <a:buSzPts val="1800"/>
-              <a:buChar char="●"/>
-            </a:pPr>
-            <a:r>
-              <a:rPr lang="en">
-                <a:solidFill>
-                  <a:schemeClr val="lt1"/>
-                </a:solidFill>
-              </a:rPr>
-              <a:t>I can build a meaningful web application myself!</a:t>
-            </a:r>
-            <a:endParaRPr>
-              <a:solidFill>
-                <a:schemeClr val="lt1"/>
-              </a:solidFill>
-            </a:endParaRPr>
-          </a:p>
-          <a:p>
-            <a:pPr indent="-342900" lvl="0" marL="457200" rtl="0" algn="l">
-              <a:spcBef>
-                <a:spcPts val="0"/>
-              </a:spcBef>
-              <a:spcAft>
-                <a:spcPts val="0"/>
-              </a:spcAft>
-              <a:buClr>
-                <a:schemeClr val="lt1"/>
-              </a:buClr>
-              <a:buSzPts val="1800"/>
-              <a:buChar char="●"/>
-            </a:pPr>
-            <a:r>
-              <a:rPr lang="en">
-                <a:solidFill>
-                  <a:schemeClr val="lt1"/>
-                </a:solidFill>
-              </a:rPr>
-              <a:t>Full stack development (connecting the parts together)</a:t>
-            </a:r>
-            <a:endParaRPr>
-              <a:solidFill>
-                <a:schemeClr val="lt1"/>
-              </a:solidFill>
-            </a:endParaRPr>
-          </a:p>
-          <a:p>
-            <a:pPr indent="-342900" lvl="0" marL="457200" rtl="0" algn="l">
-              <a:spcBef>
-                <a:spcPts val="0"/>
-              </a:spcBef>
-              <a:spcAft>
-                <a:spcPts val="0"/>
-              </a:spcAft>
-              <a:buClr>
-                <a:schemeClr val="lt1"/>
-              </a:buClr>
-              <a:buSzPts val="1800"/>
-              <a:buChar char="●"/>
-            </a:pPr>
-            <a:r>
-              <a:rPr lang="en">
-                <a:solidFill>
-                  <a:schemeClr val="lt1"/>
-                </a:solidFill>
-              </a:rPr>
-              <a:t>Spring Boot (makes it easy to get started with business logic)</a:t>
-            </a:r>
-            <a:endParaRPr>
-              <a:solidFill>
-                <a:schemeClr val="lt1"/>
-              </a:solidFill>
-            </a:endParaRPr>
-          </a:p>
-        </p:txBody>
-      </p:sp>
-    </p:spTree>
-  </p:cSld>
-  <p:clrMapOvr>
-    <a:masterClrMapping/>
-  </p:clrMapOvr>
-</p:sld>
-</file>
-
-<file path=ppt/slides/slide9.xml><?xml version="1.0" encoding="utf-8"?>
-<p:sld xmlns:a="http://schemas.openxmlformats.org/drawingml/2006/main" xmlns:r="http://schemas.openxmlformats.org/officeDocument/2006/relationships" xmlns:mc="http://schemas.openxmlformats.org/markup-compatibility/2006" xmlns:mv="urn:schemas-microsoft-com:mac:vml" xmlns:p="http://schemas.openxmlformats.org/presentationml/2006/main" xmlns:c="http://schemas.openxmlformats.org/drawingml/2006/chart" xmlns:dgm="http://schemas.openxmlformats.org/drawingml/2006/diagram" xmlns:o="urn:schemas-microsoft-com:office:office" xmlns:v="urn:schemas-microsoft-com:vml" xmlns:pvml="urn:schemas-microsoft-com:office:powerpoint" xmlns:com="http://schemas.openxmlformats.org/drawingml/2006/compatibility" xmlns:p14="http://schemas.microsoft.com/office/powerpoint/2010/main" xmlns:p15="http://schemas.microsoft.com/office/powerpoint/2012/main" xmlns:ahyp="http://schemas.microsoft.com/office/drawing/2018/hyperlinkcolor">
-  <p:cSld>
-    <p:bg>
-      <p:bgPr>
-        <a:solidFill>
-          <a:schemeClr val="dk1"/>
-        </a:solidFill>
-      </p:bgPr>
-    </p:bg>
-    <p:spTree>
-      <p:nvGrpSpPr>
-        <p:cNvPr id="107" name="Shape 107"/>
-        <p:cNvGrpSpPr/>
-        <p:nvPr/>
-      </p:nvGrpSpPr>
-      <p:grpSpPr>
-        <a:xfrm>
-          <a:off x="0" y="0"/>
-          <a:ext cx="0" cy="0"/>
-          <a:chOff x="0" y="0"/>
-          <a:chExt cx="0" cy="0"/>
-        </a:xfrm>
-      </p:grpSpPr>
-      <p:sp>
-        <p:nvSpPr>
-          <p:cNvPr id="108" name="Google Shape;108;p21"/>
-          <p:cNvSpPr txBox="1"/>
-          <p:nvPr>
-            <p:ph type="title"/>
-          </p:nvPr>
-        </p:nvSpPr>
-        <p:spPr>
-          <a:xfrm>
-            <a:off x="311700" y="445025"/>
-            <a:ext cx="8520600" cy="572700"/>
-          </a:xfrm>
-          <a:prstGeom prst="rect">
-            <a:avLst/>
-          </a:prstGeom>
-        </p:spPr>
-        <p:txBody>
-          <a:bodyPr anchorCtr="0" anchor="t" bIns="91425" lIns="91425" spcFirstLastPara="1" rIns="91425" wrap="square" tIns="91425">
-            <a:normAutofit fontScale="90000"/>
-          </a:bodyPr>
-          <a:lstStyle/>
-          <a:p>
-            <a:pPr indent="0" lvl="0" marL="0" rtl="0" algn="l">
-              <a:spcBef>
-                <a:spcPts val="0"/>
-              </a:spcBef>
-              <a:spcAft>
-                <a:spcPts val="0"/>
-              </a:spcAft>
-              <a:buNone/>
-            </a:pPr>
-            <a:r>
-              <a:rPr lang="en">
-                <a:solidFill>
-                  <a:schemeClr val="lt1"/>
-                </a:solidFill>
-              </a:rPr>
-              <a:t>Future improvements to LMSLocalLibrary</a:t>
-            </a:r>
-            <a:endParaRPr>
-              <a:solidFill>
-                <a:schemeClr val="lt1"/>
-              </a:solidFill>
-            </a:endParaRPr>
-          </a:p>
-        </p:txBody>
-      </p:sp>
-      <p:sp>
-        <p:nvSpPr>
-          <p:cNvPr id="109" name="Google Shape;109;p21"/>
-          <p:cNvSpPr txBox="1"/>
-          <p:nvPr>
-            <p:ph idx="1" type="body"/>
-          </p:nvPr>
-        </p:nvSpPr>
-        <p:spPr>
-          <a:xfrm>
-            <a:off x="311700" y="1152475"/>
-            <a:ext cx="8520600" cy="3416400"/>
-          </a:xfrm>
-          <a:prstGeom prst="rect">
-            <a:avLst/>
-          </a:prstGeom>
-        </p:spPr>
-        <p:txBody>
-          <a:bodyPr anchorCtr="0" anchor="t" bIns="91425" lIns="91425" spcFirstLastPara="1" rIns="91425" wrap="square" tIns="91425">
-            <a:normAutofit/>
-          </a:bodyPr>
-          <a:lstStyle/>
-          <a:p>
-            <a:pPr indent="-342900" lvl="0" marL="457200" rtl="0" algn="l">
-              <a:spcBef>
-                <a:spcPts val="0"/>
-              </a:spcBef>
-              <a:spcAft>
-                <a:spcPts val="0"/>
-              </a:spcAft>
-              <a:buClr>
-                <a:schemeClr val="lt1"/>
-              </a:buClr>
-              <a:buSzPts val="1800"/>
-              <a:buChar char="●"/>
-            </a:pPr>
-            <a:r>
-              <a:rPr lang="en">
-                <a:solidFill>
-                  <a:schemeClr val="lt1"/>
-                </a:solidFill>
-              </a:rPr>
-              <a:t>Users can create and save lists (of books they want to read next)</a:t>
-            </a:r>
-            <a:endParaRPr>
-              <a:solidFill>
-                <a:schemeClr val="lt1"/>
-              </a:solidFill>
-            </a:endParaRPr>
-          </a:p>
-          <a:p>
-            <a:pPr indent="-342900" lvl="0" marL="457200" rtl="0" algn="l">
-              <a:spcBef>
-                <a:spcPts val="0"/>
-              </a:spcBef>
-              <a:spcAft>
-                <a:spcPts val="0"/>
-              </a:spcAft>
-              <a:buClr>
-                <a:schemeClr val="lt1"/>
-              </a:buClr>
-              <a:buSzPts val="1800"/>
-              <a:buChar char="●"/>
-            </a:pPr>
-            <a:r>
-              <a:rPr lang="en">
-                <a:solidFill>
-                  <a:schemeClr val="lt1"/>
-                </a:solidFill>
-              </a:rPr>
-              <a:t>Staff can send reminder mails to users 2 days before their books are due.</a:t>
-            </a:r>
-            <a:endParaRPr>
-              <a:solidFill>
-                <a:schemeClr val="lt1"/>
-              </a:solidFill>
-            </a:endParaRPr>
-          </a:p>
-          <a:p>
-            <a:pPr indent="-342900" lvl="0" marL="457200" rtl="0" algn="l">
-              <a:spcBef>
-                <a:spcPts val="0"/>
-              </a:spcBef>
-              <a:spcAft>
-                <a:spcPts val="0"/>
-              </a:spcAft>
-              <a:buClr>
-                <a:schemeClr val="lt1"/>
-              </a:buClr>
-              <a:buSzPts val="1800"/>
-              <a:buChar char="●"/>
-            </a:pPr>
-            <a:r>
-              <a:rPr lang="en">
-                <a:solidFill>
-                  <a:schemeClr val="lt1"/>
-                </a:solidFill>
-              </a:rPr>
-              <a:t>Users can request books (for staff to reserve the book for that user as soon as the book is returned)</a:t>
-            </a:r>
-            <a:endParaRPr>
-              <a:solidFill>
-                <a:schemeClr val="lt1"/>
-              </a:solidFill>
-            </a:endParaRPr>
+            <a:endParaRPr/>
           </a:p>
         </p:txBody>
       </p:sp>
